--- a/Training Materials/4. Spring Boot/Slides/5. Configuring Controllers in a Spring MVC Application with Spring Boot/configuring-a-spring-mvc-application-with-spring-boot-slides.pptx
+++ b/Training Materials/4. Spring Boot/Slides/5. Configuring Controllers in a Spring MVC Application with Spring Boot/configuring-a-spring-mvc-application-with-spring-boot-slides.pptx
@@ -5,23 +5,23 @@
     <p:sldMasterId id="2147483648" r:id="rId1"/>
   </p:sldMasterIdLst>
   <p:notesMasterIdLst>
-    <p:notesMasterId r:id="rId17"/>
+    <p:notesMasterId r:id="rId16"/>
   </p:notesMasterIdLst>
   <p:sldIdLst>
-    <p:sldId id="256" r:id="rId3"/>
-    <p:sldId id="257" r:id="rId4"/>
-    <p:sldId id="258" r:id="rId5"/>
-    <p:sldId id="259" r:id="rId6"/>
-    <p:sldId id="260" r:id="rId7"/>
-    <p:sldId id="261" r:id="rId8"/>
-    <p:sldId id="262" r:id="rId9"/>
-    <p:sldId id="263" r:id="rId10"/>
-    <p:sldId id="264" r:id="rId11"/>
-    <p:sldId id="265" r:id="rId12"/>
-    <p:sldId id="266" r:id="rId13"/>
-    <p:sldId id="267" r:id="rId14"/>
-    <p:sldId id="268" r:id="rId15"/>
-    <p:sldId id="269" r:id="rId16"/>
+    <p:sldId id="256" r:id="rId2"/>
+    <p:sldId id="257" r:id="rId3"/>
+    <p:sldId id="258" r:id="rId4"/>
+    <p:sldId id="259" r:id="rId5"/>
+    <p:sldId id="260" r:id="rId6"/>
+    <p:sldId id="261" r:id="rId7"/>
+    <p:sldId id="262" r:id="rId8"/>
+    <p:sldId id="263" r:id="rId9"/>
+    <p:sldId id="264" r:id="rId10"/>
+    <p:sldId id="265" r:id="rId11"/>
+    <p:sldId id="266" r:id="rId12"/>
+    <p:sldId id="267" r:id="rId13"/>
+    <p:sldId id="268" r:id="rId14"/>
+    <p:sldId id="269" r:id="rId15"/>
   </p:sldIdLst>
   <p:sldSz cx="12192000" cy="6858000"/>
   <p:notesSz cx="12192000" cy="6858000"/>
@@ -136,6 +136,14 @@
 </p:presentation>
 </file>
 
+<file path=ppt/revisionInfo.xml><?xml version="1.0" encoding="utf-8"?>
+<p1510:revInfo xmlns:a="http://schemas.openxmlformats.org/drawingml/2006/main" xmlns:r="http://schemas.openxmlformats.org/officeDocument/2006/relationships" xmlns:p1510="http://schemas.microsoft.com/office/powerpoint/2015/10/main">
+  <p1510:revLst>
+    <p1510:client id="{5619A8A7-4E32-CAD4-02F2-8B028CBCEDF3}" v="1" dt="2025-09-02T16:28:37.651"/>
+  </p1510:revLst>
+</p1510:revInfo>
+</file>
+
 <file path=ppt/notesMasters/notesMaster1.xml><?xml version="1.0" encoding="utf-8"?>
 <p:notesMaster xmlns:a="http://schemas.openxmlformats.org/drawingml/2006/main" xmlns:r="http://schemas.openxmlformats.org/officeDocument/2006/relationships" xmlns:p="http://schemas.openxmlformats.org/presentationml/2006/main">
   <p:cSld>
@@ -218,6 +226,7 @@
           <a:p>
             <a:fld id="{3EFD42F7-718C-4B98-AAEC-167E6DDD60A7}" type="datetimeFigureOut">
               <a:rPr lang="en-US" smtClean="0"/>
+              <a:t>9/2/2025</a:t>
             </a:fld>
             <a:endParaRPr lang="en-US"/>
           </a:p>
@@ -281,42 +290,37 @@
           <a:p>
             <a:pPr lvl="0"/>
             <a:r>
-              <a:rPr lang="en-US" smtClean="0"/>
+              <a:rPr lang="en-US"/>
               <a:t>Click to edit Master text styles</a:t>
             </a:r>
-            <a:endParaRPr lang="en-US" smtClean="0"/>
           </a:p>
           <a:p>
             <a:pPr lvl="1"/>
             <a:r>
-              <a:rPr lang="en-US" smtClean="0"/>
+              <a:rPr lang="en-US"/>
               <a:t>Second level</a:t>
             </a:r>
-            <a:endParaRPr lang="en-US" smtClean="0"/>
           </a:p>
           <a:p>
             <a:pPr lvl="2"/>
             <a:r>
-              <a:rPr lang="en-US" smtClean="0"/>
+              <a:rPr lang="en-US"/>
               <a:t>Third level</a:t>
             </a:r>
-            <a:endParaRPr lang="en-US" smtClean="0"/>
           </a:p>
           <a:p>
             <a:pPr lvl="3"/>
             <a:r>
-              <a:rPr lang="en-US" smtClean="0"/>
+              <a:rPr lang="en-US"/>
               <a:t>Fourth level</a:t>
             </a:r>
-            <a:endParaRPr lang="en-US" smtClean="0"/>
           </a:p>
           <a:p>
             <a:pPr lvl="4"/>
             <a:r>
-              <a:rPr lang="en-US" smtClean="0"/>
+              <a:rPr lang="en-US"/>
               <a:t>Fifth level</a:t>
             </a:r>
-            <a:endParaRPr lang="en-US"/>
           </a:p>
         </p:txBody>
       </p:sp>
@@ -380,6 +384,7 @@
           <a:p>
             <a:fld id="{21B2AA4F-B828-4D7C-AFD3-893933DAFCB4}" type="slidenum">
               <a:rPr lang="en-US" smtClean="0"/>
+              <a:t>‹#›</a:t>
             </a:fld>
             <a:endParaRPr lang="en-US"/>
           </a:p>
@@ -484,7 +489,7 @@
 </file>
 
 <file path=ppt/slideLayouts/slideLayout1.xml><?xml version="1.0" encoding="utf-8"?>
-<p:sldLayout xmlns:a="http://schemas.openxmlformats.org/drawingml/2006/main" xmlns:r="http://schemas.openxmlformats.org/officeDocument/2006/relationships" xmlns:p="http://schemas.openxmlformats.org/presentationml/2006/main" type="obj" preserve="1" showMasterSp="0">
+<p:sldLayout xmlns:a="http://schemas.openxmlformats.org/drawingml/2006/main" xmlns:r="http://schemas.openxmlformats.org/officeDocument/2006/relationships" xmlns:p="http://schemas.openxmlformats.org/presentationml/2006/main" showMasterSp="0" type="obj" preserve="1">
   <p:cSld name="Title Slide">
     <p:bg>
       <p:bgPr>
@@ -562,7 +567,9 @@
               </a:defRPr>
             </a:lvl1pPr>
           </a:lstStyle>
-          <a:p/>
+          <a:p>
+            <a:endParaRPr/>
+          </a:p>
         </p:txBody>
       </p:sp>
       <p:sp>
@@ -593,7 +600,9 @@
               <a:defRPr/>
             </a:lvl1pPr>
           </a:lstStyle>
-          <a:p/>
+          <a:p>
+            <a:endParaRPr/>
+          </a:p>
         </p:txBody>
       </p:sp>
       <p:sp>
@@ -620,7 +629,9 @@
               </a:defRPr>
             </a:lvl1pPr>
           </a:lstStyle>
-          <a:p/>
+          <a:p>
+            <a:endParaRPr/>
+          </a:p>
         </p:txBody>
       </p:sp>
       <p:sp>
@@ -650,6 +661,7 @@
           <a:p>
             <a:fld id="{1D8BD707-D9CF-40AE-B4C6-C98DA3205C09}" type="datetimeFigureOut">
               <a:rPr lang="en-US"/>
+              <a:t>9/2/2025</a:t>
             </a:fld>
             <a:endParaRPr lang="en-US"/>
           </a:p>
@@ -682,6 +694,7 @@
           <a:p>
             <a:fld id="{B6F15528-21DE-4FAA-801E-634DDDAF4B2B}" type="slidenum">
               <a:rPr/>
+              <a:t>‹#›</a:t>
             </a:fld>
             <a:endParaRPr/>
           </a:p>
@@ -737,7 +750,9 @@
               </a:defRPr>
             </a:lvl1pPr>
           </a:lstStyle>
-          <a:p/>
+          <a:p>
+            <a:endParaRPr/>
+          </a:p>
         </p:txBody>
       </p:sp>
       <p:sp>
@@ -764,7 +779,9 @@
               </a:defRPr>
             </a:lvl1pPr>
           </a:lstStyle>
-          <a:p/>
+          <a:p>
+            <a:endParaRPr/>
+          </a:p>
         </p:txBody>
       </p:sp>
       <p:sp>
@@ -791,7 +808,9 @@
               </a:defRPr>
             </a:lvl1pPr>
           </a:lstStyle>
-          <a:p/>
+          <a:p>
+            <a:endParaRPr/>
+          </a:p>
         </p:txBody>
       </p:sp>
       <p:sp>
@@ -821,6 +840,7 @@
           <a:p>
             <a:fld id="{1D8BD707-D9CF-40AE-B4C6-C98DA3205C09}" type="datetimeFigureOut">
               <a:rPr lang="en-US"/>
+              <a:t>9/2/2025</a:t>
             </a:fld>
             <a:endParaRPr lang="en-US"/>
           </a:p>
@@ -853,6 +873,7 @@
           <a:p>
             <a:fld id="{B6F15528-21DE-4FAA-801E-634DDDAF4B2B}" type="slidenum">
               <a:rPr/>
+              <a:t>‹#›</a:t>
             </a:fld>
             <a:endParaRPr/>
           </a:p>
@@ -908,7 +929,9 @@
               </a:defRPr>
             </a:lvl1pPr>
           </a:lstStyle>
-          <a:p/>
+          <a:p>
+            <a:endParaRPr/>
+          </a:p>
         </p:txBody>
       </p:sp>
       <p:sp>
@@ -939,7 +962,9 @@
               <a:defRPr/>
             </a:lvl1pPr>
           </a:lstStyle>
-          <a:p/>
+          <a:p>
+            <a:endParaRPr/>
+          </a:p>
         </p:txBody>
       </p:sp>
       <p:sp>
@@ -970,7 +995,9 @@
               <a:defRPr/>
             </a:lvl1pPr>
           </a:lstStyle>
-          <a:p/>
+          <a:p>
+            <a:endParaRPr/>
+          </a:p>
         </p:txBody>
       </p:sp>
       <p:sp>
@@ -997,7 +1024,9 @@
               </a:defRPr>
             </a:lvl1pPr>
           </a:lstStyle>
-          <a:p/>
+          <a:p>
+            <a:endParaRPr/>
+          </a:p>
         </p:txBody>
       </p:sp>
       <p:sp>
@@ -1027,6 +1056,7 @@
           <a:p>
             <a:fld id="{1D8BD707-D9CF-40AE-B4C6-C98DA3205C09}" type="datetimeFigureOut">
               <a:rPr lang="en-US"/>
+              <a:t>9/2/2025</a:t>
             </a:fld>
             <a:endParaRPr lang="en-US"/>
           </a:p>
@@ -1059,6 +1089,7 @@
           <a:p>
             <a:fld id="{B6F15528-21DE-4FAA-801E-634DDDAF4B2B}" type="slidenum">
               <a:rPr/>
+              <a:t>‹#›</a:t>
             </a:fld>
             <a:endParaRPr/>
           </a:p>
@@ -1114,7 +1145,9 @@
               </a:defRPr>
             </a:lvl1pPr>
           </a:lstStyle>
-          <a:p/>
+          <a:p>
+            <a:endParaRPr/>
+          </a:p>
         </p:txBody>
       </p:sp>
       <p:sp>
@@ -1141,7 +1174,9 @@
               </a:defRPr>
             </a:lvl1pPr>
           </a:lstStyle>
-          <a:p/>
+          <a:p>
+            <a:endParaRPr/>
+          </a:p>
         </p:txBody>
       </p:sp>
       <p:sp>
@@ -1171,6 +1206,7 @@
           <a:p>
             <a:fld id="{1D8BD707-D9CF-40AE-B4C6-C98DA3205C09}" type="datetimeFigureOut">
               <a:rPr lang="en-US"/>
+              <a:t>9/2/2025</a:t>
             </a:fld>
             <a:endParaRPr lang="en-US"/>
           </a:p>
@@ -1203,6 +1239,7 @@
           <a:p>
             <a:fld id="{B6F15528-21DE-4FAA-801E-634DDDAF4B2B}" type="slidenum">
               <a:rPr/>
+              <a:t>‹#›</a:t>
             </a:fld>
             <a:endParaRPr/>
           </a:p>
@@ -1258,7 +1295,9 @@
               </a:defRPr>
             </a:lvl1pPr>
           </a:lstStyle>
-          <a:p/>
+          <a:p>
+            <a:endParaRPr/>
+          </a:p>
         </p:txBody>
       </p:sp>
       <p:sp>
@@ -1288,6 +1327,7 @@
           <a:p>
             <a:fld id="{1D8BD707-D9CF-40AE-B4C6-C98DA3205C09}" type="datetimeFigureOut">
               <a:rPr lang="en-US"/>
+              <a:t>9/2/2025</a:t>
             </a:fld>
             <a:endParaRPr lang="en-US"/>
           </a:p>
@@ -1320,6 +1360,7 @@
           <a:p>
             <a:fld id="{B6F15528-21DE-4FAA-801E-634DDDAF4B2B}" type="slidenum">
               <a:rPr/>
+              <a:t>‹#›</a:t>
             </a:fld>
             <a:endParaRPr/>
           </a:p>
@@ -1393,7 +1434,9 @@
               </a:defRPr>
             </a:lvl1pPr>
           </a:lstStyle>
-          <a:p/>
+          <a:p>
+            <a:endParaRPr/>
+          </a:p>
         </p:txBody>
       </p:sp>
       <p:sp>
@@ -1430,7 +1473,9 @@
               </a:defRPr>
             </a:lvl1pPr>
           </a:lstStyle>
-          <a:p/>
+          <a:p>
+            <a:endParaRPr/>
+          </a:p>
         </p:txBody>
       </p:sp>
       <p:sp>
@@ -1467,7 +1512,9 @@
               </a:defRPr>
             </a:lvl1pPr>
           </a:lstStyle>
-          <a:p/>
+          <a:p>
+            <a:endParaRPr/>
+          </a:p>
         </p:txBody>
       </p:sp>
       <p:sp>
@@ -1507,6 +1554,7 @@
           <a:p>
             <a:fld id="{1D8BD707-D9CF-40AE-B4C6-C98DA3205C09}" type="datetimeFigureOut">
               <a:rPr lang="en-US"/>
+              <a:t>9/2/2025</a:t>
             </a:fld>
             <a:endParaRPr lang="en-US"/>
           </a:p>
@@ -1549,6 +1597,7 @@
           <a:p>
             <a:fld id="{B6F15528-21DE-4FAA-801E-634DDDAF4B2B}" type="slidenum">
               <a:rPr/>
+              <a:t>‹#›</a:t>
             </a:fld>
             <a:endParaRPr/>
           </a:p>
@@ -1733,7 +1782,7 @@
           <p:nvPr/>
         </p:nvPicPr>
         <p:blipFill>
-          <a:blip r:embed="rId1" cstate="print"/>
+          <a:blip r:embed="rId2" cstate="print"/>
           <a:stretch>
             <a:fillRect/>
           </a:stretch>
@@ -2075,15 +2124,7 @@
                   <a:srgbClr val="171717"/>
                 </a:solidFill>
               </a:rPr>
-              <a:t>t</a:t>
-            </a:r>
-            <a:r>
-              <a:rPr sz="4500" spc="-80" dirty="0">
-                <a:solidFill>
-                  <a:srgbClr val="171717"/>
-                </a:solidFill>
-              </a:rPr>
-              <a:t>h</a:t>
+              <a:t>th</a:t>
             </a:r>
             <a:r>
               <a:rPr sz="4500" spc="-455" dirty="0">
@@ -2198,9 +2239,11 @@
         <p:spPr/>
         <p:txBody>
           <a:bodyPr/>
+          <a:lstStyle/>
           <a:p>
             <a:fld id="{B6F15528-21DE-4FAA-801E-634DDDAF4B2B}" type="slidenum">
               <a:rPr/>
+              <a:t>1</a:t>
             </a:fld>
             <a:endParaRPr/>
           </a:p>
@@ -2276,7 +2319,9 @@
         <p:txBody>
           <a:bodyPr wrap="square" lIns="0" tIns="0" rIns="0" bIns="0" rtlCol="0"/>
           <a:lstStyle/>
-          <a:p/>
+          <a:p>
+            <a:endParaRPr/>
+          </a:p>
         </p:txBody>
       </p:sp>
       <p:sp>
@@ -2324,7 +2369,9 @@
         <p:txBody>
           <a:bodyPr wrap="square" lIns="0" tIns="0" rIns="0" bIns="0" rtlCol="0"/>
           <a:lstStyle/>
-          <a:p/>
+          <a:p>
+            <a:endParaRPr/>
+          </a:p>
         </p:txBody>
       </p:sp>
       <p:sp>
@@ -2372,7 +2419,9 @@
         <p:txBody>
           <a:bodyPr wrap="square" lIns="0" tIns="0" rIns="0" bIns="0" rtlCol="0"/>
           <a:lstStyle/>
-          <a:p/>
+          <a:p>
+            <a:endParaRPr/>
+          </a:p>
         </p:txBody>
       </p:sp>
       <p:sp>
@@ -3017,7 +3066,7 @@
           <p:nvPr/>
         </p:nvPicPr>
         <p:blipFill>
-          <a:blip r:embed="rId1" cstate="print"/>
+          <a:blip r:embed="rId2" cstate="print"/>
           <a:stretch>
             <a:fillRect/>
           </a:stretch>
@@ -3039,7 +3088,7 @@
           <p:nvPr/>
         </p:nvPicPr>
         <p:blipFill>
-          <a:blip r:embed="rId2" cstate="print"/>
+          <a:blip r:embed="rId3" cstate="print"/>
           <a:stretch>
             <a:fillRect/>
           </a:stretch>
@@ -3061,7 +3110,7 @@
           <p:nvPr/>
         </p:nvPicPr>
         <p:blipFill>
-          <a:blip r:embed="rId3" cstate="print"/>
+          <a:blip r:embed="rId4" cstate="print"/>
           <a:stretch>
             <a:fillRect/>
           </a:stretch>
@@ -3089,9 +3138,11 @@
         <p:spPr/>
         <p:txBody>
           <a:bodyPr/>
+          <a:lstStyle/>
           <a:p>
             <a:fld id="{B6F15528-21DE-4FAA-801E-634DDDAF4B2B}" type="slidenum">
               <a:rPr/>
+              <a:t>10</a:t>
             </a:fld>
             <a:endParaRPr/>
           </a:p>
@@ -3167,31 +3218,11 @@
         <p:txBody>
           <a:bodyPr wrap="square" lIns="0" tIns="0" rIns="0" bIns="0" rtlCol="0"/>
           <a:lstStyle/>
-          <a:p/>
-        </p:txBody>
-      </p:sp>
-      <p:pic>
-        <p:nvPicPr>
-          <p:cNvPr id="3" name="object 3"/>
-          <p:cNvPicPr/>
-          <p:nvPr/>
-        </p:nvPicPr>
-        <p:blipFill>
-          <a:blip r:embed="rId1" cstate="print"/>
-          <a:stretch>
-            <a:fillRect/>
-          </a:stretch>
-        </p:blipFill>
-        <p:spPr>
-          <a:xfrm>
-            <a:off x="11494007" y="6184391"/>
-            <a:ext cx="454151" cy="451104"/>
-          </a:xfrm>
-          <a:prstGeom prst="rect">
-            <a:avLst/>
-          </a:prstGeom>
-        </p:spPr>
-      </p:pic>
+          <a:p>
+            <a:endParaRPr/>
+          </a:p>
+        </p:txBody>
+      </p:sp>
       <p:sp>
         <p:nvSpPr>
           <p:cNvPr id="4" name="object 4"/>
@@ -3656,9 +3687,11 @@
         <p:spPr/>
         <p:txBody>
           <a:bodyPr/>
+          <a:lstStyle/>
           <a:p>
             <a:fld id="{B6F15528-21DE-4FAA-801E-634DDDAF4B2B}" type="slidenum">
               <a:rPr/>
+              <a:t>11</a:t>
             </a:fld>
             <a:endParaRPr/>
           </a:p>
@@ -3734,7 +3767,9 @@
         <p:txBody>
           <a:bodyPr wrap="square" lIns="0" tIns="0" rIns="0" bIns="0" rtlCol="0"/>
           <a:lstStyle/>
-          <a:p/>
+          <a:p>
+            <a:endParaRPr/>
+          </a:p>
         </p:txBody>
       </p:sp>
       <p:sp>
@@ -3782,7 +3817,9 @@
         <p:txBody>
           <a:bodyPr wrap="square" lIns="0" tIns="0" rIns="0" bIns="0" rtlCol="0"/>
           <a:lstStyle/>
-          <a:p/>
+          <a:p>
+            <a:endParaRPr/>
+          </a:p>
         </p:txBody>
       </p:sp>
       <p:sp>
@@ -3830,7 +3867,9 @@
         <p:txBody>
           <a:bodyPr wrap="square" lIns="0" tIns="0" rIns="0" bIns="0" rtlCol="0"/>
           <a:lstStyle/>
-          <a:p/>
+          <a:p>
+            <a:endParaRPr/>
+          </a:p>
         </p:txBody>
       </p:sp>
       <p:sp>
@@ -3878,7 +3917,9 @@
         <p:txBody>
           <a:bodyPr wrap="square" lIns="0" tIns="0" rIns="0" bIns="0" rtlCol="0"/>
           <a:lstStyle/>
-          <a:p/>
+          <a:p>
+            <a:endParaRPr/>
+          </a:p>
         </p:txBody>
       </p:sp>
       <p:sp>
@@ -4098,9 +4139,79 @@
                 <a:latin typeface="Verdana" panose="020B0604030504040204"/>
                 <a:cs typeface="Verdana" panose="020B0604030504040204"/>
               </a:rPr>
+              <a:t>ar</a:t>
+            </a:r>
+            <a:r>
+              <a:rPr sz="2000" spc="-105" dirty="0">
+                <a:solidFill>
+                  <a:srgbClr val="404040"/>
+                </a:solidFill>
+                <a:latin typeface="Verdana" panose="020B0604030504040204"/>
+                <a:cs typeface="Verdana" panose="020B0604030504040204"/>
+              </a:rPr>
+              <a:t> </a:t>
+            </a:r>
+            <a:r>
+              <a:rPr sz="2000" spc="-30" dirty="0">
+                <a:solidFill>
+                  <a:srgbClr val="404040"/>
+                </a:solidFill>
+                <a:latin typeface="Verdana" panose="020B0604030504040204"/>
+                <a:cs typeface="Verdana" panose="020B0604030504040204"/>
+              </a:rPr>
               <a:t>a</a:t>
             </a:r>
             <a:r>
+              <a:rPr sz="2000" spc="-35" dirty="0">
+                <a:solidFill>
+                  <a:srgbClr val="404040"/>
+                </a:solidFill>
+                <a:latin typeface="Verdana" panose="020B0604030504040204"/>
+                <a:cs typeface="Verdana" panose="020B0604030504040204"/>
+              </a:rPr>
+              <a:t>n</a:t>
+            </a:r>
+            <a:r>
+              <a:rPr sz="2000" spc="90" dirty="0">
+                <a:solidFill>
+                  <a:srgbClr val="404040"/>
+                </a:solidFill>
+                <a:latin typeface="Verdana" panose="020B0604030504040204"/>
+                <a:cs typeface="Verdana" panose="020B0604030504040204"/>
+              </a:rPr>
+              <a:t>d</a:t>
+            </a:r>
+            <a:r>
+              <a:rPr sz="2000" spc="-110" dirty="0">
+                <a:solidFill>
+                  <a:srgbClr val="404040"/>
+                </a:solidFill>
+                <a:latin typeface="Verdana" panose="020B0604030504040204"/>
+                <a:cs typeface="Verdana" panose="020B0604030504040204"/>
+              </a:rPr>
+              <a:t> </a:t>
+            </a:r>
+            <a:r>
+              <a:rPr sz="2000" spc="-195" dirty="0">
+                <a:solidFill>
+                  <a:srgbClr val="404040"/>
+                </a:solidFill>
+                <a:latin typeface="Verdana" panose="020B0604030504040204"/>
+                <a:cs typeface="Verdana" panose="020B0604030504040204"/>
+              </a:rPr>
+              <a:t>.</a:t>
+            </a:r>
+            <a:r>
+              <a:rPr sz="2000" spc="45" dirty="0">
+                <a:solidFill>
+                  <a:srgbClr val="404040"/>
+                </a:solidFill>
+                <a:latin typeface="Verdana" panose="020B0604030504040204"/>
+                <a:cs typeface="Verdana" panose="020B0604030504040204"/>
+              </a:rPr>
+              <a:t>w</a:t>
+            </a:r>
+            <a:r>
               <a:rPr sz="2000" spc="-30" dirty="0">
                 <a:solidFill>
                   <a:srgbClr val="404040"/>
@@ -4108,97 +4219,7 @@
                 <a:latin typeface="Verdana" panose="020B0604030504040204"/>
                 <a:cs typeface="Verdana" panose="020B0604030504040204"/>
               </a:rPr>
-              <a:t>r</a:t>
-            </a:r>
-            <a:r>
-              <a:rPr sz="2000" spc="-105" dirty="0">
-                <a:solidFill>
-                  <a:srgbClr val="404040"/>
-                </a:solidFill>
-                <a:latin typeface="Verdana" panose="020B0604030504040204"/>
-                <a:cs typeface="Verdana" panose="020B0604030504040204"/>
-              </a:rPr>
-              <a:t> </a:t>
-            </a:r>
-            <a:r>
-              <a:rPr sz="2000" spc="-30" dirty="0">
-                <a:solidFill>
-                  <a:srgbClr val="404040"/>
-                </a:solidFill>
-                <a:latin typeface="Verdana" panose="020B0604030504040204"/>
-                <a:cs typeface="Verdana" panose="020B0604030504040204"/>
-              </a:rPr>
-              <a:t>a</a:t>
-            </a:r>
-            <a:r>
-              <a:rPr sz="2000" spc="-35" dirty="0">
-                <a:solidFill>
-                  <a:srgbClr val="404040"/>
-                </a:solidFill>
-                <a:latin typeface="Verdana" panose="020B0604030504040204"/>
-                <a:cs typeface="Verdana" panose="020B0604030504040204"/>
-              </a:rPr>
-              <a:t>n</a:t>
-            </a:r>
-            <a:r>
-              <a:rPr sz="2000" spc="90" dirty="0">
-                <a:solidFill>
-                  <a:srgbClr val="404040"/>
-                </a:solidFill>
-                <a:latin typeface="Verdana" panose="020B0604030504040204"/>
-                <a:cs typeface="Verdana" panose="020B0604030504040204"/>
-              </a:rPr>
-              <a:t>d</a:t>
-            </a:r>
-            <a:r>
-              <a:rPr sz="2000" spc="-110" dirty="0">
-                <a:solidFill>
-                  <a:srgbClr val="404040"/>
-                </a:solidFill>
-                <a:latin typeface="Verdana" panose="020B0604030504040204"/>
-                <a:cs typeface="Verdana" panose="020B0604030504040204"/>
-              </a:rPr>
-              <a:t> </a:t>
-            </a:r>
-            <a:r>
-              <a:rPr sz="2000" spc="-195" dirty="0">
-                <a:solidFill>
-                  <a:srgbClr val="404040"/>
-                </a:solidFill>
-                <a:latin typeface="Verdana" panose="020B0604030504040204"/>
-                <a:cs typeface="Verdana" panose="020B0604030504040204"/>
-              </a:rPr>
-              <a:t>.</a:t>
-            </a:r>
-            <a:r>
-              <a:rPr sz="2000" spc="45" dirty="0">
-                <a:solidFill>
-                  <a:srgbClr val="404040"/>
-                </a:solidFill>
-                <a:latin typeface="Verdana" panose="020B0604030504040204"/>
-                <a:cs typeface="Verdana" panose="020B0604030504040204"/>
-              </a:rPr>
-              <a:t>w</a:t>
-            </a:r>
-            <a:r>
-              <a:rPr sz="2000" spc="-30" dirty="0">
-                <a:solidFill>
-                  <a:srgbClr val="404040"/>
-                </a:solidFill>
-                <a:latin typeface="Verdana" panose="020B0604030504040204"/>
-                <a:cs typeface="Verdana" panose="020B0604030504040204"/>
-              </a:rPr>
-              <a:t>a</a:t>
-            </a:r>
-            <a:r>
-              <a:rPr sz="2000" spc="-30" dirty="0">
-                <a:solidFill>
-                  <a:srgbClr val="404040"/>
-                </a:solidFill>
-                <a:latin typeface="Verdana" panose="020B0604030504040204"/>
-                <a:cs typeface="Verdana" panose="020B0604030504040204"/>
-              </a:rPr>
-              <a:t>r</a:t>
+              <a:t>ar</a:t>
             </a:r>
             <a:r>
               <a:rPr sz="2000" spc="-105" dirty="0">
@@ -4885,7 +4906,7 @@
           <p:nvPr/>
         </p:nvPicPr>
         <p:blipFill>
-          <a:blip r:embed="rId1" cstate="print"/>
+          <a:blip r:embed="rId2" cstate="print"/>
           <a:stretch>
             <a:fillRect/>
           </a:stretch>
@@ -4907,7 +4928,7 @@
           <p:nvPr/>
         </p:nvPicPr>
         <p:blipFill>
-          <a:blip r:embed="rId2" cstate="print"/>
+          <a:blip r:embed="rId3" cstate="print"/>
           <a:stretch>
             <a:fillRect/>
           </a:stretch>
@@ -4929,7 +4950,7 @@
           <p:nvPr/>
         </p:nvPicPr>
         <p:blipFill>
-          <a:blip r:embed="rId3" cstate="print"/>
+          <a:blip r:embed="rId4" cstate="print"/>
           <a:stretch>
             <a:fillRect/>
           </a:stretch>
@@ -4951,7 +4972,7 @@
           <p:nvPr/>
         </p:nvPicPr>
         <p:blipFill>
-          <a:blip r:embed="rId4" cstate="print"/>
+          <a:blip r:embed="rId5" cstate="print"/>
           <a:stretch>
             <a:fillRect/>
           </a:stretch>
@@ -4979,9 +5000,11 @@
         <p:spPr/>
         <p:txBody>
           <a:bodyPr/>
+          <a:lstStyle/>
           <a:p>
             <a:fld id="{B6F15528-21DE-4FAA-801E-634DDDAF4B2B}" type="slidenum">
               <a:rPr/>
+              <a:t>12</a:t>
             </a:fld>
             <a:endParaRPr/>
           </a:p>
@@ -5019,7 +5042,7 @@
           <p:nvPr/>
         </p:nvPicPr>
         <p:blipFill>
-          <a:blip r:embed="rId1" cstate="print"/>
+          <a:blip r:embed="rId2" cstate="print"/>
           <a:stretch>
             <a:fillRect/>
           </a:stretch>
@@ -5329,9 +5352,11 @@
         <p:spPr/>
         <p:txBody>
           <a:bodyPr/>
+          <a:lstStyle/>
           <a:p>
             <a:fld id="{B6F15528-21DE-4FAA-801E-634DDDAF4B2B}" type="slidenum">
               <a:rPr/>
+              <a:t>13</a:t>
             </a:fld>
             <a:endParaRPr/>
           </a:p>
@@ -5369,7 +5394,7 @@
           <p:nvPr/>
         </p:nvPicPr>
         <p:blipFill>
-          <a:blip r:embed="rId1" cstate="print"/>
+          <a:blip r:embed="rId2" cstate="print"/>
           <a:stretch>
             <a:fillRect/>
           </a:stretch>
@@ -5441,7 +5466,6 @@
               <a:rPr spc="40" dirty="0"/>
               <a:t>application</a:t>
             </a:r>
-            <a:endParaRPr spc="40" dirty="0"/>
           </a:p>
           <a:p>
             <a:pPr marL="3515360" marR="236855">
@@ -5501,7 +5525,6 @@
               <a:rPr spc="5" dirty="0"/>
               <a:t>annotations</a:t>
             </a:r>
-            <a:endParaRPr spc="5" dirty="0"/>
           </a:p>
           <a:p>
             <a:pPr marL="3515360" marR="692150">
@@ -5552,7 +5575,6 @@
               <a:rPr spc="-5" dirty="0"/>
               <a:t>Tomcat</a:t>
             </a:r>
-            <a:endParaRPr spc="-5" dirty="0"/>
           </a:p>
         </p:txBody>
       </p:sp>
@@ -5615,9 +5637,11 @@
         <p:spPr/>
         <p:txBody>
           <a:bodyPr/>
+          <a:lstStyle/>
           <a:p>
             <a:fld id="{B6F15528-21DE-4FAA-801E-634DDDAF4B2B}" type="slidenum">
               <a:rPr/>
+              <a:t>14</a:t>
             </a:fld>
             <a:endParaRPr/>
           </a:p>
@@ -5655,7 +5679,7 @@
           <p:nvPr/>
         </p:nvPicPr>
         <p:blipFill>
-          <a:blip r:embed="rId1" cstate="print"/>
+          <a:blip r:embed="rId2" cstate="print"/>
           <a:stretch>
             <a:fillRect/>
           </a:stretch>
@@ -5727,7 +5751,6 @@
               <a:rPr spc="40" dirty="0"/>
               <a:t>application</a:t>
             </a:r>
-            <a:endParaRPr spc="40" dirty="0"/>
           </a:p>
           <a:p>
             <a:pPr marL="3515360" marR="2181860">
@@ -5774,7 +5797,6 @@
               <a:rPr spc="5" dirty="0"/>
               <a:t>annotations</a:t>
             </a:r>
-            <a:endParaRPr spc="5" dirty="0"/>
           </a:p>
           <a:p>
             <a:pPr marL="3515360">
@@ -5813,7 +5835,6 @@
               <a:rPr spc="-5" dirty="0"/>
               <a:t>Tomcat</a:t>
             </a:r>
-            <a:endParaRPr spc="-5" dirty="0"/>
           </a:p>
         </p:txBody>
       </p:sp>
@@ -5875,9 +5896,11 @@
         <p:spPr/>
         <p:txBody>
           <a:bodyPr/>
+          <a:lstStyle/>
           <a:p>
             <a:fld id="{B6F15528-21DE-4FAA-801E-634DDDAF4B2B}" type="slidenum">
               <a:rPr/>
+              <a:t>2</a:t>
             </a:fld>
             <a:endParaRPr/>
           </a:p>
@@ -5945,7 +5968,9 @@
         <p:txBody>
           <a:bodyPr wrap="square" lIns="0" tIns="0" rIns="0" bIns="0" rtlCol="0"/>
           <a:lstStyle/>
-          <a:p/>
+          <a:p>
+            <a:endParaRPr/>
+          </a:p>
         </p:txBody>
       </p:sp>
       <p:sp>
@@ -6011,13 +6036,6 @@
               </a:rPr>
               <a:t>&gt;</a:t>
             </a:r>
-            <a:endParaRPr dirty="0">
-              <a:solidFill>
-                <a:srgbClr val="404040"/>
-              </a:solidFill>
-              <a:latin typeface="Courier New" panose="02070309020205020404"/>
-              <a:cs typeface="Courier New" panose="02070309020205020404"/>
-            </a:endParaRPr>
           </a:p>
         </p:txBody>
       </p:sp>
@@ -6404,9 +6422,11 @@
         <p:spPr/>
         <p:txBody>
           <a:bodyPr/>
+          <a:lstStyle/>
           <a:p>
             <a:fld id="{B6F15528-21DE-4FAA-801E-634DDDAF4B2B}" type="slidenum">
               <a:rPr/>
+              <a:t>3</a:t>
             </a:fld>
             <a:endParaRPr/>
           </a:p>
@@ -6444,7 +6464,7 @@
           <p:nvPr/>
         </p:nvPicPr>
         <p:blipFill>
-          <a:blip r:embed="rId1" cstate="print"/>
+          <a:blip r:embed="rId2" cstate="print"/>
           <a:stretch>
             <a:fillRect/>
           </a:stretch>
@@ -6549,9 +6569,11 @@
         <p:spPr/>
         <p:txBody>
           <a:bodyPr/>
+          <a:lstStyle/>
           <a:p>
             <a:fld id="{B6F15528-21DE-4FAA-801E-634DDDAF4B2B}" type="slidenum">
               <a:rPr/>
+              <a:t>4</a:t>
             </a:fld>
             <a:endParaRPr/>
           </a:p>
@@ -6603,7 +6625,7 @@
             <p:nvPr/>
           </p:nvPicPr>
           <p:blipFill>
-            <a:blip r:embed="rId1" cstate="print"/>
+            <a:blip r:embed="rId2" cstate="print"/>
             <a:stretch>
               <a:fillRect/>
             </a:stretch>
@@ -6720,7 +6742,9 @@
           <p:txBody>
             <a:bodyPr wrap="square" lIns="0" tIns="0" rIns="0" bIns="0" rtlCol="0"/>
             <a:lstStyle/>
-            <a:p/>
+            <a:p>
+              <a:endParaRPr/>
+            </a:p>
           </p:txBody>
         </p:sp>
       </p:grpSp>
@@ -7089,7 +7113,9 @@
         <p:txBody>
           <a:bodyPr wrap="square" lIns="0" tIns="0" rIns="0" bIns="0" rtlCol="0"/>
           <a:lstStyle/>
-          <a:p/>
+          <a:p>
+            <a:endParaRPr/>
+          </a:p>
         </p:txBody>
       </p:sp>
       <p:sp>
@@ -7243,7 +7269,9 @@
         <p:txBody>
           <a:bodyPr wrap="square" lIns="0" tIns="0" rIns="0" bIns="0" rtlCol="0"/>
           <a:lstStyle/>
-          <a:p/>
+          <a:p>
+            <a:endParaRPr/>
+          </a:p>
         </p:txBody>
       </p:sp>
       <p:sp>
@@ -7293,37 +7321,7 @@
                 <a:latin typeface="Verdana" panose="020B0604030504040204"/>
                 <a:cs typeface="Verdana" panose="020B0604030504040204"/>
               </a:rPr>
-              <a:t>i</a:t>
-            </a:r>
-            <a:r>
-              <a:rPr sz="2000" spc="20" dirty="0">
-                <a:solidFill>
-                  <a:srgbClr val="404040"/>
-                </a:solidFill>
-                <a:latin typeface="Verdana" panose="020B0604030504040204"/>
-                <a:cs typeface="Verdana" panose="020B0604030504040204"/>
-              </a:rPr>
-              <a:t>s</a:t>
-            </a:r>
-            <a:r>
-              <a:rPr sz="2000" spc="20" dirty="0">
-                <a:solidFill>
-                  <a:srgbClr val="404040"/>
-                </a:solidFill>
-                <a:latin typeface="Verdana" panose="020B0604030504040204"/>
-                <a:cs typeface="Verdana" panose="020B0604030504040204"/>
-              </a:rPr>
-              <a:t>p</a:t>
-            </a:r>
-            <a:r>
-              <a:rPr sz="2000" spc="20" dirty="0">
-                <a:solidFill>
-                  <a:srgbClr val="404040"/>
-                </a:solidFill>
-                <a:latin typeface="Verdana" panose="020B0604030504040204"/>
-                <a:cs typeface="Verdana" panose="020B0604030504040204"/>
-              </a:rPr>
-              <a:t>l</a:t>
+              <a:t>ispl</a:t>
             </a:r>
             <a:r>
               <a:rPr sz="2000" spc="-70" dirty="0">
@@ -7543,7 +7541,9 @@
         <p:txBody>
           <a:bodyPr wrap="square" lIns="0" tIns="0" rIns="0" bIns="0" rtlCol="0"/>
           <a:lstStyle/>
-          <a:p/>
+          <a:p>
+            <a:endParaRPr/>
+          </a:p>
         </p:txBody>
       </p:sp>
       <p:sp>
@@ -7635,9 +7635,11 @@
         <p:spPr/>
         <p:txBody>
           <a:bodyPr/>
+          <a:lstStyle/>
           <a:p>
             <a:fld id="{B6F15528-21DE-4FAA-801E-634DDDAF4B2B}" type="slidenum">
               <a:rPr/>
+              <a:t>5</a:t>
             </a:fld>
             <a:endParaRPr/>
           </a:p>
@@ -7877,15 +7879,7 @@
                   <a:srgbClr val="404040"/>
                 </a:solidFill>
               </a:rPr>
-              <a:t>M</a:t>
-            </a:r>
-            <a:r>
-              <a:rPr sz="3600" spc="90" dirty="0">
-                <a:solidFill>
-                  <a:srgbClr val="404040"/>
-                </a:solidFill>
-              </a:rPr>
-              <a:t>V</a:t>
+              <a:t>MV</a:t>
             </a:r>
             <a:r>
               <a:rPr sz="3600" spc="140" dirty="0">
@@ -8010,37 +8004,7 @@
                 <a:latin typeface="Verdana" panose="020B0604030504040204"/>
                 <a:cs typeface="Verdana" panose="020B0604030504040204"/>
               </a:rPr>
-              <a:t>i</a:t>
-            </a:r>
-            <a:r>
-              <a:rPr sz="2000" spc="20" dirty="0">
-                <a:solidFill>
-                  <a:srgbClr val="404040"/>
-                </a:solidFill>
-                <a:latin typeface="Verdana" panose="020B0604030504040204"/>
-                <a:cs typeface="Verdana" panose="020B0604030504040204"/>
-              </a:rPr>
-              <a:t>s</a:t>
-            </a:r>
-            <a:r>
-              <a:rPr sz="2000" spc="20" dirty="0">
-                <a:solidFill>
-                  <a:srgbClr val="404040"/>
-                </a:solidFill>
-                <a:latin typeface="Verdana" panose="020B0604030504040204"/>
-                <a:cs typeface="Verdana" panose="020B0604030504040204"/>
-              </a:rPr>
-              <a:t>p</a:t>
-            </a:r>
-            <a:r>
-              <a:rPr sz="2000" spc="20" dirty="0">
-                <a:solidFill>
-                  <a:srgbClr val="404040"/>
-                </a:solidFill>
-                <a:latin typeface="Verdana" panose="020B0604030504040204"/>
-                <a:cs typeface="Verdana" panose="020B0604030504040204"/>
-              </a:rPr>
-              <a:t>l</a:t>
+              <a:t>ispl</a:t>
             </a:r>
             <a:r>
               <a:rPr sz="2000" spc="-70" dirty="0">
@@ -8286,7 +8250,7 @@
           <p:nvPr/>
         </p:nvPicPr>
         <p:blipFill>
-          <a:blip r:embed="rId1" cstate="print"/>
+          <a:blip r:embed="rId2" cstate="print"/>
           <a:stretch>
             <a:fillRect/>
           </a:stretch>
@@ -8308,7 +8272,7 @@
           <p:nvPr/>
         </p:nvPicPr>
         <p:blipFill>
-          <a:blip r:embed="rId2" cstate="print"/>
+          <a:blip r:embed="rId3" cstate="print"/>
           <a:stretch>
             <a:fillRect/>
           </a:stretch>
@@ -8330,7 +8294,7 @@
           <p:nvPr/>
         </p:nvPicPr>
         <p:blipFill>
-          <a:blip r:embed="rId3" cstate="print"/>
+          <a:blip r:embed="rId4" cstate="print"/>
           <a:stretch>
             <a:fillRect/>
           </a:stretch>
@@ -8358,9 +8322,11 @@
         <p:spPr/>
         <p:txBody>
           <a:bodyPr/>
+          <a:lstStyle/>
           <a:p>
             <a:fld id="{B6F15528-21DE-4FAA-801E-634DDDAF4B2B}" type="slidenum">
               <a:rPr/>
+              <a:t>6</a:t>
             </a:fld>
             <a:endParaRPr/>
           </a:p>
@@ -8436,7 +8402,9 @@
         <p:txBody>
           <a:bodyPr wrap="square" lIns="0" tIns="0" rIns="0" bIns="0" rtlCol="0"/>
           <a:lstStyle/>
-          <a:p/>
+          <a:p>
+            <a:endParaRPr/>
+          </a:p>
         </p:txBody>
       </p:sp>
       <p:sp>
@@ -8484,7 +8452,9 @@
         <p:txBody>
           <a:bodyPr wrap="square" lIns="0" tIns="0" rIns="0" bIns="0" rtlCol="0"/>
           <a:lstStyle/>
-          <a:p/>
+          <a:p>
+            <a:endParaRPr/>
+          </a:p>
         </p:txBody>
       </p:sp>
       <p:sp>
@@ -8532,7 +8502,9 @@
         <p:txBody>
           <a:bodyPr wrap="square" lIns="0" tIns="0" rIns="0" bIns="0" rtlCol="0"/>
           <a:lstStyle/>
-          <a:p/>
+          <a:p>
+            <a:endParaRPr/>
+          </a:p>
         </p:txBody>
       </p:sp>
       <p:sp>
@@ -8845,7 +8817,7 @@
           <p:nvPr/>
         </p:nvPicPr>
         <p:blipFill>
-          <a:blip r:embed="rId1" cstate="print"/>
+          <a:blip r:embed="rId2" cstate="print"/>
           <a:stretch>
             <a:fillRect/>
           </a:stretch>
@@ -8867,7 +8839,7 @@
           <p:nvPr/>
         </p:nvPicPr>
         <p:blipFill>
-          <a:blip r:embed="rId2" cstate="print"/>
+          <a:blip r:embed="rId3" cstate="print"/>
           <a:stretch>
             <a:fillRect/>
           </a:stretch>
@@ -8889,7 +8861,7 @@
           <p:nvPr/>
         </p:nvPicPr>
         <p:blipFill>
-          <a:blip r:embed="rId3" cstate="print"/>
+          <a:blip r:embed="rId4" cstate="print"/>
           <a:stretch>
             <a:fillRect/>
           </a:stretch>
@@ -8917,9 +8889,11 @@
         <p:spPr/>
         <p:txBody>
           <a:bodyPr/>
+          <a:lstStyle/>
           <a:p>
             <a:fld id="{B6F15528-21DE-4FAA-801E-634DDDAF4B2B}" type="slidenum">
               <a:rPr/>
+              <a:t>7</a:t>
             </a:fld>
             <a:endParaRPr/>
           </a:p>
@@ -9175,9 +9149,11 @@
         <p:spPr/>
         <p:txBody>
           <a:bodyPr/>
+          <a:lstStyle/>
           <a:p>
             <a:fld id="{B6F15528-21DE-4FAA-801E-634DDDAF4B2B}" type="slidenum">
               <a:rPr/>
+              <a:t>8</a:t>
             </a:fld>
             <a:endParaRPr/>
           </a:p>
@@ -9215,7 +9191,7 @@
           <p:nvPr/>
         </p:nvPicPr>
         <p:blipFill>
-          <a:blip r:embed="rId1" cstate="print"/>
+          <a:blip r:embed="rId2" cstate="print"/>
           <a:stretch>
             <a:fillRect/>
           </a:stretch>
@@ -9352,9 +9328,11 @@
         <p:spPr/>
         <p:txBody>
           <a:bodyPr/>
+          <a:lstStyle/>
           <a:p>
             <a:fld id="{B6F15528-21DE-4FAA-801E-634DDDAF4B2B}" type="slidenum">
               <a:rPr/>
+              <a:t>9</a:t>
             </a:fld>
             <a:endParaRPr/>
           </a:p>
@@ -9646,6 +9624,8 @@
       </a:bgFillStyleLst>
     </a:fmtScheme>
   </a:themeElements>
+  <a:objectDefaults/>
+  <a:extraClrSchemeLst/>
   <a:extLst>
     <a:ext uri="{05A4C25C-085E-4340-85A3-A5531E510DB2}">
       <thm15:themeFamily xmlns:thm15="http://schemas.microsoft.com/office/thememl/2012/main" name="Office Theme" id="{62F939B6-93AF-4DB8-9C6B-D6C7DFDC589F}" vid="{4A3C46E8-61CC-4603-A589-7422A47A8E4A}"/>
@@ -9905,6 +9885,8 @@
       </a:bgFillStyleLst>
     </a:fmtScheme>
   </a:themeElements>
+  <a:objectDefaults/>
+  <a:extraClrSchemeLst/>
   <a:extLst>
     <a:ext uri="{05A4C25C-085E-4340-85A3-A5531E510DB2}">
       <thm15:themeFamily xmlns:thm15="http://schemas.microsoft.com/office/thememl/2012/main" name="Office Theme" id="{62F939B6-93AF-4DB8-9C6B-D6C7DFDC589F}" vid="{4A3C46E8-61CC-4603-A589-7422A47A8E4A}"/>
